--- a/Presentation Slides/Diabetes Prediction.pptx
+++ b/Presentation Slides/Diabetes Prediction.pptx
@@ -24,28 +24,29 @@
     <p:sldId id="269" r:id="rId19"/>
     <p:sldId id="270" r:id="rId20"/>
     <p:sldId id="271" r:id="rId21"/>
+    <p:sldId id="272" r:id="rId22"/>
   </p:sldIdLst>
   <p:sldSz cy="5143500" cx="9144000"/>
   <p:notesSz cx="6858000" cy="9144000"/>
   <p:embeddedFontLst>
     <p:embeddedFont>
       <p:font typeface="Roboto"/>
-      <p:regular r:id="rId22"/>
-      <p:bold r:id="rId23"/>
-      <p:italic r:id="rId24"/>
-      <p:boldItalic r:id="rId25"/>
+      <p:regular r:id="rId23"/>
+      <p:bold r:id="rId24"/>
+      <p:italic r:id="rId25"/>
+      <p:boldItalic r:id="rId26"/>
     </p:embeddedFont>
     <p:embeddedFont>
       <p:font typeface="Nunito"/>
-      <p:regular r:id="rId26"/>
-      <p:bold r:id="rId27"/>
-      <p:italic r:id="rId28"/>
-      <p:boldItalic r:id="rId29"/>
+      <p:regular r:id="rId27"/>
+      <p:bold r:id="rId28"/>
+      <p:italic r:id="rId29"/>
+      <p:boldItalic r:id="rId30"/>
     </p:embeddedFont>
     <p:embeddedFont>
       <p:font typeface="Maven Pro"/>
-      <p:regular r:id="rId30"/>
-      <p:bold r:id="rId31"/>
+      <p:regular r:id="rId31"/>
+      <p:bold r:id="rId32"/>
     </p:embeddedFont>
   </p:embeddedFontLst>
   <p:defaultTextStyle>
@@ -1236,7 +1237,7 @@
       </p:grpSpPr>
       <p:sp>
         <p:nvSpPr>
-          <p:cNvPr id="374" name="Google Shape;374;g29b354c0da9_0_2:notes"/>
+          <p:cNvPr id="374" name="Google Shape;374;g29c56909bf1_2_0:notes"/>
           <p:cNvSpPr/>
           <p:nvPr>
             <p:ph idx="2" type="sldImg"/>
@@ -1271,7 +1272,7 @@
       </p:sp>
       <p:sp>
         <p:nvSpPr>
-          <p:cNvPr id="375" name="Google Shape;375;g29b354c0da9_0_2:notes"/>
+          <p:cNvPr id="375" name="Google Shape;375;g29c56909bf1_2_0:notes"/>
           <p:cNvSpPr txBox="1"/>
           <p:nvPr>
             <p:ph idx="1" type="body"/>
@@ -1335,7 +1336,7 @@
       </p:grpSpPr>
       <p:sp>
         <p:nvSpPr>
-          <p:cNvPr id="380" name="Google Shape;380;g29885db4830_0_10:notes"/>
+          <p:cNvPr id="380" name="Google Shape;380;g29b354c0da9_0_2:notes"/>
           <p:cNvSpPr/>
           <p:nvPr>
             <p:ph idx="2" type="sldImg"/>
@@ -1370,7 +1371,7 @@
       </p:sp>
       <p:sp>
         <p:nvSpPr>
-          <p:cNvPr id="381" name="Google Shape;381;g29885db4830_0_10:notes"/>
+          <p:cNvPr id="381" name="Google Shape;381;g29b354c0da9_0_2:notes"/>
           <p:cNvSpPr txBox="1"/>
           <p:nvPr>
             <p:ph idx="1" type="body"/>
@@ -1434,7 +1435,7 @@
       </p:grpSpPr>
       <p:sp>
         <p:nvSpPr>
-          <p:cNvPr id="386" name="Google Shape;386;g29885db4830_0_15:notes"/>
+          <p:cNvPr id="386" name="Google Shape;386;g29885db4830_0_10:notes"/>
           <p:cNvSpPr/>
           <p:nvPr>
             <p:ph idx="2" type="sldImg"/>
@@ -1469,7 +1470,106 @@
       </p:sp>
       <p:sp>
         <p:nvSpPr>
-          <p:cNvPr id="387" name="Google Shape;387;g29885db4830_0_15:notes"/>
+          <p:cNvPr id="387" name="Google Shape;387;g29885db4830_0_10:notes"/>
+          <p:cNvSpPr txBox="1"/>
+          <p:nvPr>
+            <p:ph idx="1" type="body"/>
+          </p:nvPr>
+        </p:nvSpPr>
+        <p:spPr>
+          <a:xfrm>
+            <a:off x="685800" y="4343400"/>
+            <a:ext cx="5486400" cy="4114800"/>
+          </a:xfrm>
+          <a:prstGeom prst="rect">
+            <a:avLst/>
+          </a:prstGeom>
+        </p:spPr>
+        <p:txBody>
+          <a:bodyPr anchorCtr="0" anchor="t" bIns="91425" lIns="91425" spcFirstLastPara="1" rIns="91425" wrap="square" tIns="91425">
+            <a:noAutofit/>
+          </a:bodyPr>
+          <a:lstStyle/>
+          <a:p>
+            <a:pPr indent="0" lvl="0" marL="0" rtl="0" algn="l">
+              <a:spcBef>
+                <a:spcPts val="0"/>
+              </a:spcBef>
+              <a:spcAft>
+                <a:spcPts val="0"/>
+              </a:spcAft>
+              <a:buNone/>
+            </a:pPr>
+            <a:r>
+              <a:t/>
+            </a:r>
+            <a:endParaRPr/>
+          </a:p>
+        </p:txBody>
+      </p:sp>
+    </p:spTree>
+  </p:cSld>
+  <p:clrMapOvr>
+    <a:masterClrMapping/>
+  </p:clrMapOvr>
+</p:notes>
+</file>
+
+<file path=ppt/notesSlides/notesSlide17.xml><?xml version="1.0" encoding="utf-8"?>
+<p:notes xmlns:a="http://schemas.openxmlformats.org/drawingml/2006/main" xmlns:r="http://schemas.openxmlformats.org/officeDocument/2006/relationships" xmlns:mc="http://schemas.openxmlformats.org/markup-compatibility/2006" xmlns:mv="urn:schemas-microsoft-com:mac:vml" xmlns:p="http://schemas.openxmlformats.org/presentationml/2006/main" xmlns:c="http://schemas.openxmlformats.org/drawingml/2006/chart" xmlns:dgm="http://schemas.openxmlformats.org/drawingml/2006/diagram" xmlns:o="urn:schemas-microsoft-com:office:office" xmlns:v="urn:schemas-microsoft-com:vml" xmlns:pvml="urn:schemas-microsoft-com:office:powerpoint" xmlns:com="http://schemas.openxmlformats.org/drawingml/2006/compatibility" xmlns:p14="http://schemas.microsoft.com/office/powerpoint/2010/main" xmlns:p15="http://schemas.microsoft.com/office/powerpoint/2012/main" xmlns:ahyp="http://schemas.microsoft.com/office/drawing/2018/hyperlinkcolor" showMasterPhAnim="0" showMasterSp="0">
+  <p:cSld>
+    <p:spTree>
+      <p:nvGrpSpPr>
+        <p:cNvPr id="391" name="Shape 391"/>
+        <p:cNvGrpSpPr/>
+        <p:nvPr/>
+      </p:nvGrpSpPr>
+      <p:grpSpPr>
+        <a:xfrm>
+          <a:off x="0" y="0"/>
+          <a:ext cx="0" cy="0"/>
+          <a:chOff x="0" y="0"/>
+          <a:chExt cx="0" cy="0"/>
+        </a:xfrm>
+      </p:grpSpPr>
+      <p:sp>
+        <p:nvSpPr>
+          <p:cNvPr id="392" name="Google Shape;392;g29885db4830_0_15:notes"/>
+          <p:cNvSpPr/>
+          <p:nvPr>
+            <p:ph idx="2" type="sldImg"/>
+          </p:nvPr>
+        </p:nvSpPr>
+        <p:spPr>
+          <a:xfrm>
+            <a:off x="381300" y="685800"/>
+            <a:ext cx="6096000" cy="3429000"/>
+          </a:xfrm>
+          <a:custGeom>
+            <a:rect b="b" l="l" r="r" t="t"/>
+            <a:pathLst>
+              <a:path extrusionOk="0" h="120000" w="120000">
+                <a:moveTo>
+                  <a:pt x="0" y="0"/>
+                </a:moveTo>
+                <a:lnTo>
+                  <a:pt x="120000" y="0"/>
+                </a:lnTo>
+                <a:lnTo>
+                  <a:pt x="120000" y="120000"/>
+                </a:lnTo>
+                <a:lnTo>
+                  <a:pt x="0" y="120000"/>
+                </a:lnTo>
+                <a:close/>
+              </a:path>
+            </a:pathLst>
+          </a:custGeom>
+        </p:spPr>
+      </p:sp>
+      <p:sp>
+        <p:nvSpPr>
+          <p:cNvPr id="393" name="Google Shape;393;g29885db4830_0_15:notes"/>
           <p:cNvSpPr txBox="1"/>
           <p:nvPr>
             <p:ph idx="1" type="body"/>
@@ -17100,8 +17200,8 @@
         </p:nvSpPr>
         <p:spPr>
           <a:xfrm>
-            <a:off x="1303800" y="598575"/>
-            <a:ext cx="7030500" cy="999300"/>
+            <a:off x="1186400" y="591250"/>
+            <a:ext cx="6398100" cy="742500"/>
           </a:xfrm>
           <a:prstGeom prst="rect">
             <a:avLst/>
@@ -17146,8 +17246,8 @@
         </p:blipFill>
         <p:spPr>
           <a:xfrm>
-            <a:off x="152400" y="2012575"/>
-            <a:ext cx="8839202" cy="1939245"/>
+            <a:off x="573550" y="1476575"/>
+            <a:ext cx="8439001" cy="2791775"/>
           </a:xfrm>
           <a:prstGeom prst="rect">
             <a:avLst/>
@@ -17286,7 +17386,7 @@
         </p:nvSpPr>
         <p:spPr>
           <a:xfrm>
-            <a:off x="1303800" y="598575"/>
+            <a:off x="1427625" y="622375"/>
             <a:ext cx="7030500" cy="999300"/>
           </a:xfrm>
           <a:prstGeom prst="rect">
@@ -17310,40 +17410,358 @@
             </a:pPr>
             <a:r>
               <a:rPr lang="en"/>
-              <a:t>Random Forest Model</a:t>
+              <a:t>Confusion Matrix</a:t>
             </a:r>
             <a:endParaRPr/>
           </a:p>
         </p:txBody>
       </p:sp>
-      <p:pic>
-        <p:nvPicPr>
+      <p:sp>
+        <p:nvSpPr>
           <p:cNvPr id="378" name="Google Shape;378;p26"/>
-          <p:cNvPicPr preferRelativeResize="0"/>
-          <p:nvPr/>
-        </p:nvPicPr>
-        <p:blipFill>
-          <a:blip r:embed="rId3">
-            <a:alphaModFix/>
-          </a:blip>
-          <a:stretch>
-            <a:fillRect/>
-          </a:stretch>
-        </p:blipFill>
+          <p:cNvSpPr txBox="1"/>
+          <p:nvPr>
+            <p:ph idx="1" type="body"/>
+          </p:nvPr>
+        </p:nvSpPr>
         <p:spPr>
-          <a:xfrm>
-            <a:off x="0" y="1345270"/>
-            <a:ext cx="9143999" cy="3499859"/>
+          <a:xfrm rot="-134">
+            <a:off x="1427624" y="1415179"/>
+            <a:ext cx="7716300" cy="3002100"/>
           </a:xfrm>
           <a:prstGeom prst="rect">
             <a:avLst/>
           </a:prstGeom>
-          <a:noFill/>
-          <a:ln>
-            <a:noFill/>
-          </a:ln>
         </p:spPr>
-      </p:pic>
+        <p:txBody>
+          <a:bodyPr anchorCtr="0" anchor="t" bIns="91425" lIns="91425" spcFirstLastPara="1" rIns="91425" wrap="square" tIns="91425">
+            <a:normAutofit/>
+          </a:bodyPr>
+          <a:lstStyle/>
+          <a:p>
+            <a:pPr indent="0" lvl="0" marL="0" rtl="0" algn="l">
+              <a:spcBef>
+                <a:spcPts val="0"/>
+              </a:spcBef>
+              <a:spcAft>
+                <a:spcPts val="0"/>
+              </a:spcAft>
+              <a:buNone/>
+            </a:pPr>
+            <a:r>
+              <a:rPr lang="en" sz="900">
+                <a:solidFill>
+                  <a:srgbClr val="000000"/>
+                </a:solidFill>
+                <a:highlight>
+                  <a:srgbClr val="FFFFFF"/>
+                </a:highlight>
+                <a:latin typeface="Arial"/>
+                <a:ea typeface="Arial"/>
+                <a:cs typeface="Arial"/>
+                <a:sym typeface="Arial"/>
+              </a:rPr>
+              <a:t>   </a:t>
+            </a:r>
+            <a:r>
+              <a:rPr lang="en" sz="1200">
+                <a:solidFill>
+                  <a:srgbClr val="000000"/>
+                </a:solidFill>
+                <a:highlight>
+                  <a:srgbClr val="FFFFFF"/>
+                </a:highlight>
+                <a:latin typeface="Arial"/>
+                <a:ea typeface="Arial"/>
+                <a:cs typeface="Arial"/>
+                <a:sym typeface="Arial"/>
+              </a:rPr>
+              <a:t>              Predicted 0    Predicted 1</a:t>
+            </a:r>
+            <a:endParaRPr sz="1200">
+              <a:solidFill>
+                <a:srgbClr val="000000"/>
+              </a:solidFill>
+              <a:highlight>
+                <a:srgbClr val="FFFFFF"/>
+              </a:highlight>
+              <a:latin typeface="Arial"/>
+              <a:ea typeface="Arial"/>
+              <a:cs typeface="Arial"/>
+              <a:sym typeface="Arial"/>
+            </a:endParaRPr>
+          </a:p>
+          <a:p>
+            <a:pPr indent="0" lvl="0" marL="0" rtl="0" algn="l">
+              <a:spcBef>
+                <a:spcPts val="0"/>
+              </a:spcBef>
+              <a:spcAft>
+                <a:spcPts val="0"/>
+              </a:spcAft>
+              <a:buNone/>
+            </a:pPr>
+            <a:r>
+              <a:rPr lang="en" sz="1200">
+                <a:solidFill>
+                  <a:srgbClr val="000000"/>
+                </a:solidFill>
+                <a:highlight>
+                  <a:srgbClr val="FFFFFF"/>
+                </a:highlight>
+                <a:latin typeface="Arial"/>
+                <a:ea typeface="Arial"/>
+                <a:cs typeface="Arial"/>
+                <a:sym typeface="Arial"/>
+              </a:rPr>
+              <a:t>Actual 0    22420            490</a:t>
+            </a:r>
+            <a:endParaRPr sz="1200">
+              <a:solidFill>
+                <a:srgbClr val="000000"/>
+              </a:solidFill>
+              <a:highlight>
+                <a:srgbClr val="FFFFFF"/>
+              </a:highlight>
+              <a:latin typeface="Arial"/>
+              <a:ea typeface="Arial"/>
+              <a:cs typeface="Arial"/>
+              <a:sym typeface="Arial"/>
+            </a:endParaRPr>
+          </a:p>
+          <a:p>
+            <a:pPr indent="0" lvl="0" marL="0" rtl="0" algn="l">
+              <a:spcBef>
+                <a:spcPts val="0"/>
+              </a:spcBef>
+              <a:spcAft>
+                <a:spcPts val="0"/>
+              </a:spcAft>
+              <a:buNone/>
+            </a:pPr>
+            <a:r>
+              <a:rPr lang="en" sz="1200">
+                <a:solidFill>
+                  <a:srgbClr val="000000"/>
+                </a:solidFill>
+                <a:highlight>
+                  <a:srgbClr val="FFFFFF"/>
+                </a:highlight>
+                <a:latin typeface="Arial"/>
+                <a:ea typeface="Arial"/>
+                <a:cs typeface="Arial"/>
+                <a:sym typeface="Arial"/>
+              </a:rPr>
+              <a:t>Actual 1    0                    22840</a:t>
+            </a:r>
+            <a:endParaRPr sz="1200">
+              <a:solidFill>
+                <a:srgbClr val="000000"/>
+              </a:solidFill>
+              <a:highlight>
+                <a:srgbClr val="FFFFFF"/>
+              </a:highlight>
+              <a:latin typeface="Arial"/>
+              <a:ea typeface="Arial"/>
+              <a:cs typeface="Arial"/>
+              <a:sym typeface="Arial"/>
+            </a:endParaRPr>
+          </a:p>
+          <a:p>
+            <a:pPr indent="0" lvl="0" marL="0" rtl="0" algn="l">
+              <a:spcBef>
+                <a:spcPts val="0"/>
+              </a:spcBef>
+              <a:spcAft>
+                <a:spcPts val="0"/>
+              </a:spcAft>
+              <a:buNone/>
+            </a:pPr>
+            <a:r>
+              <a:t/>
+            </a:r>
+            <a:endParaRPr sz="1200">
+              <a:solidFill>
+                <a:srgbClr val="000000"/>
+              </a:solidFill>
+              <a:highlight>
+                <a:srgbClr val="FFFFFF"/>
+              </a:highlight>
+              <a:latin typeface="Arial"/>
+              <a:ea typeface="Arial"/>
+              <a:cs typeface="Arial"/>
+              <a:sym typeface="Arial"/>
+            </a:endParaRPr>
+          </a:p>
+          <a:p>
+            <a:pPr indent="0" lvl="0" marL="0" rtl="0" algn="l">
+              <a:spcBef>
+                <a:spcPts val="0"/>
+              </a:spcBef>
+              <a:spcAft>
+                <a:spcPts val="0"/>
+              </a:spcAft>
+              <a:buNone/>
+            </a:pPr>
+            <a:r>
+              <a:rPr lang="en" sz="1200">
+                <a:solidFill>
+                  <a:srgbClr val="000000"/>
+                </a:solidFill>
+                <a:highlight>
+                  <a:srgbClr val="FFFFFF"/>
+                </a:highlight>
+                <a:latin typeface="Arial"/>
+                <a:ea typeface="Arial"/>
+                <a:cs typeface="Arial"/>
+                <a:sym typeface="Arial"/>
+              </a:rPr>
+              <a:t>Predicted Yes When Yes Diabetes      22420 </a:t>
+            </a:r>
+            <a:endParaRPr sz="1200">
+              <a:solidFill>
+                <a:srgbClr val="000000"/>
+              </a:solidFill>
+              <a:highlight>
+                <a:srgbClr val="FFFFFF"/>
+              </a:highlight>
+              <a:latin typeface="Arial"/>
+              <a:ea typeface="Arial"/>
+              <a:cs typeface="Arial"/>
+              <a:sym typeface="Arial"/>
+            </a:endParaRPr>
+          </a:p>
+          <a:p>
+            <a:pPr indent="0" lvl="0" marL="0" rtl="0" algn="l">
+              <a:spcBef>
+                <a:spcPts val="0"/>
+              </a:spcBef>
+              <a:spcAft>
+                <a:spcPts val="0"/>
+              </a:spcAft>
+              <a:buNone/>
+            </a:pPr>
+            <a:r>
+              <a:rPr lang="en" sz="1200">
+                <a:solidFill>
+                  <a:srgbClr val="000000"/>
+                </a:solidFill>
+                <a:highlight>
+                  <a:srgbClr val="FFFFFF"/>
+                </a:highlight>
+                <a:latin typeface="Arial"/>
+                <a:ea typeface="Arial"/>
+                <a:cs typeface="Arial"/>
+                <a:sym typeface="Arial"/>
+              </a:rPr>
+              <a:t>Predicted Yes When No Diabetes               0</a:t>
+            </a:r>
+            <a:endParaRPr sz="1200">
+              <a:solidFill>
+                <a:srgbClr val="000000"/>
+              </a:solidFill>
+              <a:highlight>
+                <a:srgbClr val="FFFFFF"/>
+              </a:highlight>
+              <a:latin typeface="Arial"/>
+              <a:ea typeface="Arial"/>
+              <a:cs typeface="Arial"/>
+              <a:sym typeface="Arial"/>
+            </a:endParaRPr>
+          </a:p>
+          <a:p>
+            <a:pPr indent="0" lvl="0" marL="0" rtl="0" algn="l">
+              <a:spcBef>
+                <a:spcPts val="0"/>
+              </a:spcBef>
+              <a:spcAft>
+                <a:spcPts val="0"/>
+              </a:spcAft>
+              <a:buNone/>
+            </a:pPr>
+            <a:r>
+              <a:rPr lang="en" sz="1200">
+                <a:solidFill>
+                  <a:srgbClr val="000000"/>
+                </a:solidFill>
+                <a:highlight>
+                  <a:srgbClr val="FFFFFF"/>
+                </a:highlight>
+                <a:latin typeface="Arial"/>
+                <a:ea typeface="Arial"/>
+                <a:cs typeface="Arial"/>
+                <a:sym typeface="Arial"/>
+              </a:rPr>
+              <a:t>Predicted No Diabetes When No        22840 </a:t>
+            </a:r>
+            <a:endParaRPr sz="1200">
+              <a:solidFill>
+                <a:srgbClr val="000000"/>
+              </a:solidFill>
+              <a:highlight>
+                <a:srgbClr val="FFFFFF"/>
+              </a:highlight>
+              <a:latin typeface="Arial"/>
+              <a:ea typeface="Arial"/>
+              <a:cs typeface="Arial"/>
+              <a:sym typeface="Arial"/>
+            </a:endParaRPr>
+          </a:p>
+          <a:p>
+            <a:pPr indent="0" lvl="0" marL="0" rtl="0" algn="l">
+              <a:spcBef>
+                <a:spcPts val="0"/>
+              </a:spcBef>
+              <a:spcAft>
+                <a:spcPts val="0"/>
+              </a:spcAft>
+              <a:buNone/>
+            </a:pPr>
+            <a:r>
+              <a:rPr lang="en" sz="1200">
+                <a:solidFill>
+                  <a:srgbClr val="000000"/>
+                </a:solidFill>
+                <a:highlight>
+                  <a:srgbClr val="FFFFFF"/>
+                </a:highlight>
+                <a:latin typeface="Arial"/>
+                <a:ea typeface="Arial"/>
+                <a:cs typeface="Arial"/>
+                <a:sym typeface="Arial"/>
+              </a:rPr>
+              <a:t>Predicted Yes When No                          490</a:t>
+            </a:r>
+            <a:endParaRPr sz="1200">
+              <a:solidFill>
+                <a:srgbClr val="000000"/>
+              </a:solidFill>
+              <a:highlight>
+                <a:srgbClr val="FFFFFF"/>
+              </a:highlight>
+              <a:latin typeface="Arial"/>
+              <a:ea typeface="Arial"/>
+              <a:cs typeface="Arial"/>
+              <a:sym typeface="Arial"/>
+            </a:endParaRPr>
+          </a:p>
+          <a:p>
+            <a:pPr indent="0" lvl="0" marL="0" rtl="0" algn="l">
+              <a:spcBef>
+                <a:spcPts val="0"/>
+              </a:spcBef>
+              <a:spcAft>
+                <a:spcPts val="1200"/>
+              </a:spcAft>
+              <a:buNone/>
+            </a:pPr>
+            <a:r>
+              <a:t/>
+            </a:r>
+            <a:endParaRPr/>
+          </a:p>
+        </p:txBody>
+      </p:sp>
     </p:spTree>
   </p:cSld>
   <p:clrMapOvr>
@@ -17403,160 +17821,40 @@
             </a:pPr>
             <a:r>
               <a:rPr lang="en"/>
-              <a:t>Results and </a:t>
-            </a:r>
-            <a:r>
-              <a:rPr lang="en"/>
-              <a:t>Conclusions</a:t>
+              <a:t>Random Forest Model</a:t>
             </a:r>
             <a:endParaRPr/>
           </a:p>
         </p:txBody>
       </p:sp>
-      <p:sp>
-        <p:nvSpPr>
+      <p:pic>
+        <p:nvPicPr>
           <p:cNvPr id="384" name="Google Shape;384;p27"/>
-          <p:cNvSpPr txBox="1"/>
-          <p:nvPr>
-            <p:ph idx="1" type="body"/>
-          </p:nvPr>
-        </p:nvSpPr>
+          <p:cNvPicPr preferRelativeResize="0"/>
+          <p:nvPr/>
+        </p:nvPicPr>
+        <p:blipFill>
+          <a:blip r:embed="rId3">
+            <a:alphaModFix/>
+          </a:blip>
+          <a:stretch>
+            <a:fillRect/>
+          </a:stretch>
+        </p:blipFill>
         <p:spPr>
           <a:xfrm>
-            <a:off x="1303800" y="1990050"/>
-            <a:ext cx="7030500" cy="2541600"/>
+            <a:off x="0" y="1345270"/>
+            <a:ext cx="9143999" cy="3499859"/>
           </a:xfrm>
           <a:prstGeom prst="rect">
             <a:avLst/>
           </a:prstGeom>
+          <a:noFill/>
+          <a:ln>
+            <a:noFill/>
+          </a:ln>
         </p:spPr>
-        <p:txBody>
-          <a:bodyPr anchorCtr="0" anchor="t" bIns="91425" lIns="91425" spcFirstLastPara="1" rIns="91425" wrap="square" tIns="91425">
-            <a:normAutofit/>
-          </a:bodyPr>
-          <a:lstStyle/>
-          <a:p>
-            <a:pPr indent="-311150" lvl="0" marL="457200" rtl="0" algn="l">
-              <a:spcBef>
-                <a:spcPts val="0"/>
-              </a:spcBef>
-              <a:spcAft>
-                <a:spcPts val="0"/>
-              </a:spcAft>
-              <a:buSzPts val="1300"/>
-              <a:buChar char="-"/>
-            </a:pPr>
-            <a:r>
-              <a:rPr lang="en"/>
-              <a:t>Our Sequential Model had a 92% accuracy and our Random Forest Model had a 99% accuracy when predicting diabetes. </a:t>
-            </a:r>
-            <a:endParaRPr/>
-          </a:p>
-          <a:p>
-            <a:pPr indent="-311150" lvl="0" marL="457200" rtl="0" algn="l">
-              <a:spcBef>
-                <a:spcPts val="0"/>
-              </a:spcBef>
-              <a:spcAft>
-                <a:spcPts val="0"/>
-              </a:spcAft>
-              <a:buSzPts val="1300"/>
-              <a:buChar char="-"/>
-            </a:pPr>
-            <a:r>
-              <a:rPr lang="en"/>
-              <a:t>The Random Forest Model was the best predictor for this dataset due it’s almost 100% accuracy.</a:t>
-            </a:r>
-            <a:endParaRPr/>
-          </a:p>
-          <a:p>
-            <a:pPr indent="-311150" lvl="0" marL="457200" rtl="0" algn="l">
-              <a:spcBef>
-                <a:spcPts val="0"/>
-              </a:spcBef>
-              <a:spcAft>
-                <a:spcPts val="0"/>
-              </a:spcAft>
-              <a:buSzPts val="1300"/>
-              <a:buChar char="-"/>
-            </a:pPr>
-            <a:r>
-              <a:rPr lang="en"/>
-              <a:t>Another model that could be tested for this dataset is the</a:t>
-            </a:r>
-            <a:r>
-              <a:rPr lang="en">
-                <a:highlight>
-                  <a:schemeClr val="lt1"/>
-                </a:highlight>
-              </a:rPr>
-              <a:t> survivor model which predicts the chance of </a:t>
-            </a:r>
-            <a:r>
-              <a:rPr lang="en">
-                <a:highlight>
-                  <a:schemeClr val="lt1"/>
-                </a:highlight>
-              </a:rPr>
-              <a:t>surviving diabetes</a:t>
-            </a:r>
-            <a:r>
-              <a:rPr lang="en">
-                <a:highlight>
-                  <a:schemeClr val="lt1"/>
-                </a:highlight>
-              </a:rPr>
-              <a:t>.</a:t>
-            </a:r>
-            <a:endParaRPr>
-              <a:highlight>
-                <a:schemeClr val="lt1"/>
-              </a:highlight>
-            </a:endParaRPr>
-          </a:p>
-          <a:p>
-            <a:pPr indent="-311150" lvl="0" marL="457200" rtl="0" algn="l">
-              <a:spcBef>
-                <a:spcPts val="0"/>
-              </a:spcBef>
-              <a:spcAft>
-                <a:spcPts val="0"/>
-              </a:spcAft>
-              <a:buSzPts val="1300"/>
-              <a:buChar char="-"/>
-            </a:pPr>
-            <a:r>
-              <a:rPr lang="en">
-                <a:highlight>
-                  <a:schemeClr val="lt1"/>
-                </a:highlight>
-              </a:rPr>
-              <a:t>HbA1c, blood glucose level and age have the highest </a:t>
-            </a:r>
-            <a:r>
-              <a:rPr lang="en">
-                <a:highlight>
-                  <a:schemeClr val="lt1"/>
-                </a:highlight>
-              </a:rPr>
-              <a:t>impact</a:t>
-            </a:r>
-            <a:r>
-              <a:rPr lang="en">
-                <a:highlight>
-                  <a:schemeClr val="lt1"/>
-                </a:highlight>
-              </a:rPr>
-              <a:t> on Diabetes.</a:t>
-            </a:r>
-            <a:endParaRPr>
-              <a:highlight>
-                <a:schemeClr val="lt1"/>
-              </a:highlight>
-            </a:endParaRPr>
-          </a:p>
-        </p:txBody>
-      </p:sp>
+      </p:pic>
     </p:spTree>
   </p:cSld>
   <p:clrMapOvr>
@@ -17616,6 +17914,219 @@
             </a:pPr>
             <a:r>
               <a:rPr lang="en"/>
+              <a:t>Results and </a:t>
+            </a:r>
+            <a:r>
+              <a:rPr lang="en"/>
+              <a:t>Conclusions</a:t>
+            </a:r>
+            <a:endParaRPr/>
+          </a:p>
+        </p:txBody>
+      </p:sp>
+      <p:sp>
+        <p:nvSpPr>
+          <p:cNvPr id="390" name="Google Shape;390;p28"/>
+          <p:cNvSpPr txBox="1"/>
+          <p:nvPr>
+            <p:ph idx="1" type="body"/>
+          </p:nvPr>
+        </p:nvSpPr>
+        <p:spPr>
+          <a:xfrm>
+            <a:off x="1303800" y="1990050"/>
+            <a:ext cx="7030500" cy="2541600"/>
+          </a:xfrm>
+          <a:prstGeom prst="rect">
+            <a:avLst/>
+          </a:prstGeom>
+        </p:spPr>
+        <p:txBody>
+          <a:bodyPr anchorCtr="0" anchor="t" bIns="91425" lIns="91425" spcFirstLastPara="1" rIns="91425" wrap="square" tIns="91425">
+            <a:normAutofit/>
+          </a:bodyPr>
+          <a:lstStyle/>
+          <a:p>
+            <a:pPr indent="-311150" lvl="0" marL="457200" rtl="0" algn="l">
+              <a:spcBef>
+                <a:spcPts val="0"/>
+              </a:spcBef>
+              <a:spcAft>
+                <a:spcPts val="0"/>
+              </a:spcAft>
+              <a:buSzPts val="1300"/>
+              <a:buChar char="-"/>
+            </a:pPr>
+            <a:r>
+              <a:rPr lang="en"/>
+              <a:t>Our Sequential Model had a 92% accuracy and our Random Forest Model had a 99% accuracy when predicting diabetes. </a:t>
+            </a:r>
+            <a:endParaRPr/>
+          </a:p>
+          <a:p>
+            <a:pPr indent="-311150" lvl="0" marL="457200" rtl="0" algn="l">
+              <a:spcBef>
+                <a:spcPts val="0"/>
+              </a:spcBef>
+              <a:spcAft>
+                <a:spcPts val="0"/>
+              </a:spcAft>
+              <a:buSzPts val="1300"/>
+              <a:buChar char="-"/>
+            </a:pPr>
+            <a:r>
+              <a:rPr lang="en"/>
+              <a:t>The Random Forest Model was the best predictor for this dataset due it’s almost 100% accuracy.</a:t>
+            </a:r>
+            <a:endParaRPr/>
+          </a:p>
+          <a:p>
+            <a:pPr indent="-311150" lvl="0" marL="457200" rtl="0" algn="l">
+              <a:spcBef>
+                <a:spcPts val="0"/>
+              </a:spcBef>
+              <a:spcAft>
+                <a:spcPts val="0"/>
+              </a:spcAft>
+              <a:buSzPts val="1300"/>
+              <a:buChar char="-"/>
+            </a:pPr>
+            <a:r>
+              <a:rPr lang="en"/>
+              <a:t>Another model that could be tested for this dataset is the</a:t>
+            </a:r>
+            <a:r>
+              <a:rPr lang="en">
+                <a:highlight>
+                  <a:schemeClr val="lt1"/>
+                </a:highlight>
+              </a:rPr>
+              <a:t> survivor model which predicts the chance of </a:t>
+            </a:r>
+            <a:r>
+              <a:rPr lang="en">
+                <a:highlight>
+                  <a:schemeClr val="lt1"/>
+                </a:highlight>
+              </a:rPr>
+              <a:t>surviving diabetes</a:t>
+            </a:r>
+            <a:r>
+              <a:rPr lang="en">
+                <a:highlight>
+                  <a:schemeClr val="lt1"/>
+                </a:highlight>
+              </a:rPr>
+              <a:t>.</a:t>
+            </a:r>
+            <a:endParaRPr>
+              <a:highlight>
+                <a:schemeClr val="lt1"/>
+              </a:highlight>
+            </a:endParaRPr>
+          </a:p>
+          <a:p>
+            <a:pPr indent="-311150" lvl="0" marL="457200" rtl="0" algn="l">
+              <a:spcBef>
+                <a:spcPts val="0"/>
+              </a:spcBef>
+              <a:spcAft>
+                <a:spcPts val="0"/>
+              </a:spcAft>
+              <a:buSzPts val="1300"/>
+              <a:buChar char="-"/>
+            </a:pPr>
+            <a:r>
+              <a:rPr lang="en">
+                <a:highlight>
+                  <a:schemeClr val="lt1"/>
+                </a:highlight>
+              </a:rPr>
+              <a:t>HbA1c, blood glucose level and age have the highest </a:t>
+            </a:r>
+            <a:r>
+              <a:rPr lang="en">
+                <a:highlight>
+                  <a:schemeClr val="lt1"/>
+                </a:highlight>
+              </a:rPr>
+              <a:t>impact</a:t>
+            </a:r>
+            <a:r>
+              <a:rPr lang="en">
+                <a:highlight>
+                  <a:schemeClr val="lt1"/>
+                </a:highlight>
+              </a:rPr>
+              <a:t> on Diabetes.</a:t>
+            </a:r>
+            <a:endParaRPr>
+              <a:highlight>
+                <a:schemeClr val="lt1"/>
+              </a:highlight>
+            </a:endParaRPr>
+          </a:p>
+        </p:txBody>
+      </p:sp>
+    </p:spTree>
+  </p:cSld>
+  <p:clrMapOvr>
+    <a:masterClrMapping/>
+  </p:clrMapOvr>
+</p:sld>
+</file>
+
+<file path=ppt/slides/slide17.xml><?xml version="1.0" encoding="utf-8"?>
+<p:sld xmlns:a="http://schemas.openxmlformats.org/drawingml/2006/main" xmlns:r="http://schemas.openxmlformats.org/officeDocument/2006/relationships" xmlns:mc="http://schemas.openxmlformats.org/markup-compatibility/2006" xmlns:mv="urn:schemas-microsoft-com:mac:vml" xmlns:p="http://schemas.openxmlformats.org/presentationml/2006/main" xmlns:c="http://schemas.openxmlformats.org/drawingml/2006/chart" xmlns:dgm="http://schemas.openxmlformats.org/drawingml/2006/diagram" xmlns:o="urn:schemas-microsoft-com:office:office" xmlns:v="urn:schemas-microsoft-com:vml" xmlns:pvml="urn:schemas-microsoft-com:office:powerpoint" xmlns:com="http://schemas.openxmlformats.org/drawingml/2006/compatibility" xmlns:p14="http://schemas.microsoft.com/office/powerpoint/2010/main" xmlns:p15="http://schemas.microsoft.com/office/powerpoint/2012/main" xmlns:ahyp="http://schemas.microsoft.com/office/drawing/2018/hyperlinkcolor">
+  <p:cSld>
+    <p:spTree>
+      <p:nvGrpSpPr>
+        <p:cNvPr id="394" name="Shape 394"/>
+        <p:cNvGrpSpPr/>
+        <p:nvPr/>
+      </p:nvGrpSpPr>
+      <p:grpSpPr>
+        <a:xfrm>
+          <a:off x="0" y="0"/>
+          <a:ext cx="0" cy="0"/>
+          <a:chOff x="0" y="0"/>
+          <a:chExt cx="0" cy="0"/>
+        </a:xfrm>
+      </p:grpSpPr>
+      <p:sp>
+        <p:nvSpPr>
+          <p:cNvPr id="395" name="Google Shape;395;p29"/>
+          <p:cNvSpPr txBox="1"/>
+          <p:nvPr>
+            <p:ph type="title"/>
+          </p:nvPr>
+        </p:nvSpPr>
+        <p:spPr>
+          <a:xfrm>
+            <a:off x="1303800" y="598575"/>
+            <a:ext cx="7030500" cy="999300"/>
+          </a:xfrm>
+          <a:prstGeom prst="rect">
+            <a:avLst/>
+          </a:prstGeom>
+        </p:spPr>
+        <p:txBody>
+          <a:bodyPr anchorCtr="0" anchor="t" bIns="91425" lIns="91425" spcFirstLastPara="1" rIns="91425" wrap="square" tIns="91425">
+            <a:normAutofit/>
+          </a:bodyPr>
+          <a:lstStyle/>
+          <a:p>
+            <a:pPr indent="0" lvl="0" marL="0" rtl="0" algn="l">
+              <a:spcBef>
+                <a:spcPts val="0"/>
+              </a:spcBef>
+              <a:spcAft>
+                <a:spcPts val="0"/>
+              </a:spcAft>
+              <a:buNone/>
+            </a:pPr>
+            <a:r>
+              <a:rPr lang="en"/>
               <a:t>Resources</a:t>
             </a:r>
             <a:endParaRPr/>
@@ -17624,7 +18135,7 @@
       </p:sp>
       <p:sp>
         <p:nvSpPr>
-          <p:cNvPr id="390" name="Google Shape;390;p28"/>
+          <p:cNvPr id="396" name="Google Shape;396;p29"/>
           <p:cNvSpPr txBox="1"/>
           <p:nvPr>
             <p:ph idx="1" type="body"/>
@@ -19120,7 +19631,7 @@
             </a:pPr>
             <a:r>
               <a:rPr lang="en"/>
-              <a:t>BMI was our #4 contributing factor of diabetes. From this figure, we can see that the average across the smoking statues are in the overweight range. </a:t>
+              <a:t>BMI was our #4 contributing factor of diabetes. From this figure, we can see that the average across the smoking statuses are in the overweight range. </a:t>
             </a:r>
             <a:endParaRPr/>
           </a:p>
@@ -19404,7 +19915,7 @@
                 <a:cs typeface="Nunito"/>
                 <a:sym typeface="Nunito"/>
               </a:rPr>
-              <a:t>There is a relationship where high BMI can lead to increased insulin resistance, which in turn can lead to higher blood glucose levels. Higher glucose levels can contribute to the development of diabetes.</a:t>
+              <a:t>There is a relationship where high BMI can lead to increased insulin resistance, which in turn can lead to higher blood glucose levels which then can contribute to the development of diabetes.</a:t>
             </a:r>
             <a:endParaRPr sz="1300">
               <a:solidFill>
